--- a/IPA_中小企業の情報セキュリティ対策ガイドライン第3版/【付録4】情報セキュリティハンドブック（ひな型）【2019年3月19日IPA】.pptx
+++ b/IPA_中小企業の情報セキュリティ対策ガイドライン第3版/【付録4】情報セキュリティハンドブック（ひな型）【2019年3月19日IPA】.pptx
@@ -119,7 +119,7 @@
   </p:defaultTextStyle>
   <p:extLst>
     <p:ext uri="{EFAFB233-063F-42B5-8137-9DF3F51BA10A}">
-      <p15:sldGuideLst xmlns:p15="http://schemas.microsoft.com/office/powerpoint/2012/main" xmlns="">
+      <p15:sldGuideLst xmlns:p15="http://schemas.microsoft.com/office/powerpoint/2012/main">
         <p15:guide id="1" orient="horz" pos="3810" userDrawn="1">
           <p15:clr>
             <a:srgbClr val="A4A3A4"/>
@@ -219,7 +219,7 @@
             <a:fld id="{36FD75D3-C331-430D-A772-E6E922DB5740}" type="datetimeFigureOut">
               <a:rPr kumimoji="1" lang="ja-JP" altLang="en-US" smtClean="0"/>
               <a:pPr/>
-              <a:t>2019/3/20</a:t>
+              <a:t>2021/5/25</a:t>
             </a:fld>
             <a:endParaRPr kumimoji="1" lang="ja-JP" altLang="en-US" dirty="0"/>
           </a:p>
@@ -1335,7 +1335,7 @@
           <a:p>
             <a:fld id="{A94B8655-FEA2-4F4A-8E8F-2F7F3D216149}" type="datetime1">
               <a:rPr kumimoji="1" lang="ja-JP" altLang="en-US" smtClean="0"/>
-              <a:t>2019/3/20</a:t>
+              <a:t>2021/5/25</a:t>
             </a:fld>
             <a:endParaRPr kumimoji="1" lang="ja-JP" altLang="en-US" dirty="0"/>
           </a:p>
@@ -1538,7 +1538,7 @@
           <a:p>
             <a:fld id="{F16704D4-483B-47A8-BE5B-6FF71FEB28EE}" type="datetime1">
               <a:rPr kumimoji="1" lang="ja-JP" altLang="en-US" smtClean="0"/>
-              <a:t>2019/3/20</a:t>
+              <a:t>2021/5/25</a:t>
             </a:fld>
             <a:endParaRPr kumimoji="1" lang="ja-JP" altLang="en-US" dirty="0"/>
           </a:p>
@@ -1751,7 +1751,7 @@
           <a:p>
             <a:fld id="{3B571405-A9A7-4091-860A-F170D72EA2A0}" type="datetime1">
               <a:rPr kumimoji="1" lang="ja-JP" altLang="en-US" smtClean="0"/>
-              <a:t>2019/3/20</a:t>
+              <a:t>2021/5/25</a:t>
             </a:fld>
             <a:endParaRPr kumimoji="1" lang="ja-JP" altLang="en-US" dirty="0"/>
           </a:p>
@@ -1954,7 +1954,7 @@
           <a:p>
             <a:fld id="{FBA4F158-1E9F-4AEC-B42B-D2AE9500E887}" type="datetime1">
               <a:rPr kumimoji="1" lang="ja-JP" altLang="en-US" smtClean="0"/>
-              <a:t>2019/3/20</a:t>
+              <a:t>2021/5/25</a:t>
             </a:fld>
             <a:endParaRPr kumimoji="1" lang="ja-JP" altLang="en-US" dirty="0"/>
           </a:p>
@@ -2199,7 +2199,7 @@
           <a:p>
             <a:fld id="{D033F4EF-3B6C-46CF-A8BD-E2716514FA5B}" type="datetime1">
               <a:rPr kumimoji="1" lang="ja-JP" altLang="en-US" smtClean="0"/>
-              <a:t>2019/3/20</a:t>
+              <a:t>2021/5/25</a:t>
             </a:fld>
             <a:endParaRPr kumimoji="1" lang="ja-JP" altLang="en-US" dirty="0"/>
           </a:p>
@@ -2496,7 +2496,7 @@
           <a:p>
             <a:fld id="{81D8D630-D380-48E9-96EF-05F89C48CCD8}" type="datetime1">
               <a:rPr kumimoji="1" lang="ja-JP" altLang="en-US" smtClean="0"/>
-              <a:t>2019/3/20</a:t>
+              <a:t>2021/5/25</a:t>
             </a:fld>
             <a:endParaRPr kumimoji="1" lang="ja-JP" altLang="en-US" dirty="0"/>
           </a:p>
@@ -2928,7 +2928,7 @@
           <a:p>
             <a:fld id="{FC7A4592-B362-4D1D-A678-AB941E7A498C}" type="datetime1">
               <a:rPr kumimoji="1" lang="ja-JP" altLang="en-US" smtClean="0"/>
-              <a:t>2019/3/20</a:t>
+              <a:t>2021/5/25</a:t>
             </a:fld>
             <a:endParaRPr kumimoji="1" lang="ja-JP" altLang="en-US" dirty="0"/>
           </a:p>
@@ -3047,7 +3047,7 @@
           <a:p>
             <a:fld id="{A5C3C15A-00A2-4B23-9B0B-2101BD03B0D8}" type="datetime1">
               <a:rPr kumimoji="1" lang="ja-JP" altLang="en-US" smtClean="0"/>
-              <a:t>2019/3/20</a:t>
+              <a:t>2021/5/25</a:t>
             </a:fld>
             <a:endParaRPr kumimoji="1" lang="ja-JP" altLang="en-US" dirty="0"/>
           </a:p>
@@ -3143,7 +3143,7 @@
           <a:p>
             <a:fld id="{9591EFDB-7D20-4A49-A730-59CADAF3736A}" type="datetime1">
               <a:rPr kumimoji="1" lang="ja-JP" altLang="en-US" smtClean="0"/>
-              <a:t>2019/3/20</a:t>
+              <a:t>2021/5/25</a:t>
             </a:fld>
             <a:endParaRPr kumimoji="1" lang="ja-JP" altLang="en-US" dirty="0"/>
           </a:p>
@@ -3462,7 +3462,7 @@
           <a:p>
             <a:fld id="{C321AD72-F23E-466D-AF65-75B17EAC2E5A}" type="datetime1">
               <a:rPr kumimoji="1" lang="ja-JP" altLang="en-US" smtClean="0"/>
-              <a:t>2019/3/20</a:t>
+              <a:t>2021/5/25</a:t>
             </a:fld>
             <a:endParaRPr kumimoji="1" lang="ja-JP" altLang="en-US" dirty="0"/>
           </a:p>
@@ -3720,7 +3720,7 @@
           <a:p>
             <a:fld id="{DD74A94E-9FE0-4AA2-8E80-ACB3ABE76BC2}" type="datetime1">
               <a:rPr kumimoji="1" lang="ja-JP" altLang="en-US" smtClean="0"/>
-              <a:t>2019/3/20</a:t>
+              <a:t>2021/5/25</a:t>
             </a:fld>
             <a:endParaRPr kumimoji="1" lang="ja-JP" altLang="en-US" dirty="0"/>
           </a:p>
@@ -3966,7 +3966,7 @@
           <a:p>
             <a:fld id="{D091B5B9-42F1-4366-8BDE-E76B75E6FA91}" type="datetime1">
               <a:rPr kumimoji="1" lang="ja-JP" altLang="en-US" smtClean="0"/>
-              <a:t>2019/3/20</a:t>
+              <a:t>2021/5/25</a:t>
             </a:fld>
             <a:endParaRPr kumimoji="1" lang="ja-JP" altLang="en-US" dirty="0"/>
           </a:p>
@@ -4529,7 +4529,7 @@
           <a:p>
             <a:pPr algn="ctr"/>
             <a:r>
-              <a:rPr lang="ja-JP" altLang="en-US" sz="4800" dirty="0" smtClean="0">
+              <a:rPr lang="ja-JP" altLang="en-US" sz="4800" dirty="0">
                 <a:ln>
                   <a:solidFill>
                     <a:schemeClr val="bg1">
@@ -6630,7 +6630,7 @@
           <p:cNvPr id="12" name="スライド番号プレースホルダー 5">
             <a:extLst>
               <a:ext uri="{FF2B5EF4-FFF2-40B4-BE49-F238E27FC236}">
-                <a16:creationId xmlns="" xmlns:a16="http://schemas.microsoft.com/office/drawing/2014/main" id="{D0D836E7-1295-4183-A61E-0328BE465337}"/>
+                <a16:creationId xmlns:a16="http://schemas.microsoft.com/office/drawing/2014/main" id="{D0D836E7-1295-4183-A61E-0328BE465337}"/>
               </a:ext>
             </a:extLst>
           </p:cNvPr>
@@ -9014,7 +9014,7 @@
           <p:cNvPr id="27" name="スライド番号プレースホルダー 5">
             <a:extLst>
               <a:ext uri="{FF2B5EF4-FFF2-40B4-BE49-F238E27FC236}">
-                <a16:creationId xmlns="" xmlns:a16="http://schemas.microsoft.com/office/drawing/2014/main" id="{9C7ED03E-08D9-4BAD-AD4A-16DDA028B7E9}"/>
+                <a16:creationId xmlns:a16="http://schemas.microsoft.com/office/drawing/2014/main" id="{9C7ED03E-08D9-4BAD-AD4A-16DDA028B7E9}"/>
               </a:ext>
             </a:extLst>
           </p:cNvPr>
@@ -10983,14 +10983,14 @@
                 <a:gridCol w="2591185">
                   <a:extLst>
                     <a:ext uri="{9D8B030D-6E8A-4147-A177-3AD203B41FA5}">
-                      <a16:colId xmlns="" xmlns:a16="http://schemas.microsoft.com/office/drawing/2014/main" val="20000"/>
+                      <a16:colId xmlns:a16="http://schemas.microsoft.com/office/drawing/2014/main" val="20000"/>
                     </a:ext>
                   </a:extLst>
                 </a:gridCol>
                 <a:gridCol w="2424281">
                   <a:extLst>
                     <a:ext uri="{9D8B030D-6E8A-4147-A177-3AD203B41FA5}">
-                      <a16:colId xmlns="" xmlns:a16="http://schemas.microsoft.com/office/drawing/2014/main" val="20001"/>
+                      <a16:colId xmlns:a16="http://schemas.microsoft.com/office/drawing/2014/main" val="20001"/>
                     </a:ext>
                   </a:extLst>
                 </a:gridCol>
@@ -11132,7 +11132,7 @@
                 </a:tc>
                 <a:extLst>
                   <a:ext uri="{0D108BD9-81ED-4DB2-BD59-A6C34878D82A}">
-                    <a16:rowId xmlns="" xmlns:a16="http://schemas.microsoft.com/office/drawing/2014/main" val="10000"/>
+                    <a16:rowId xmlns:a16="http://schemas.microsoft.com/office/drawing/2014/main" val="10000"/>
                   </a:ext>
                 </a:extLst>
               </a:tr>
@@ -11292,7 +11292,7 @@
                 </a:tc>
                 <a:extLst>
                   <a:ext uri="{0D108BD9-81ED-4DB2-BD59-A6C34878D82A}">
-                    <a16:rowId xmlns="" xmlns:a16="http://schemas.microsoft.com/office/drawing/2014/main" val="10001"/>
+                    <a16:rowId xmlns:a16="http://schemas.microsoft.com/office/drawing/2014/main" val="10001"/>
                   </a:ext>
                 </a:extLst>
               </a:tr>
@@ -11523,7 +11523,7 @@
                 </a:tc>
                 <a:extLst>
                   <a:ext uri="{0D108BD9-81ED-4DB2-BD59-A6C34878D82A}">
-                    <a16:rowId xmlns="" xmlns:a16="http://schemas.microsoft.com/office/drawing/2014/main" val="10002"/>
+                    <a16:rowId xmlns:a16="http://schemas.microsoft.com/office/drawing/2014/main" val="10002"/>
                   </a:ext>
                 </a:extLst>
               </a:tr>
@@ -11711,7 +11711,7 @@
                 </a:tc>
                 <a:extLst>
                   <a:ext uri="{0D108BD9-81ED-4DB2-BD59-A6C34878D82A}">
-                    <a16:rowId xmlns="" xmlns:a16="http://schemas.microsoft.com/office/drawing/2014/main" val="10003"/>
+                    <a16:rowId xmlns:a16="http://schemas.microsoft.com/office/drawing/2014/main" val="10003"/>
                   </a:ext>
                 </a:extLst>
               </a:tr>
@@ -11841,9 +11841,9 @@
         <p:grpSpPr>
           <a:xfrm>
             <a:off x="78924" y="3704141"/>
-            <a:ext cx="3600000" cy="376635"/>
+            <a:ext cx="3600000" cy="412207"/>
             <a:chOff x="533400" y="1077911"/>
-            <a:chExt cx="4488519" cy="516502"/>
+            <a:chExt cx="4488519" cy="565284"/>
           </a:xfrm>
         </p:grpSpPr>
         <p:sp>
@@ -12184,7 +12184,7 @@
           </p:nvSpPr>
           <p:spPr>
             <a:xfrm>
-              <a:off x="533400" y="1081419"/>
+              <a:off x="533400" y="1130201"/>
               <a:ext cx="4488519" cy="512994"/>
             </a:xfrm>
             <a:prstGeom prst="rect">
@@ -12650,7 +12650,7 @@
           <p:cNvPr id="7" name="グラフィックス 6" descr="スマート フォン">
             <a:extLst>
               <a:ext uri="{FF2B5EF4-FFF2-40B4-BE49-F238E27FC236}">
-                <a16:creationId xmlns="" xmlns:a16="http://schemas.microsoft.com/office/drawing/2014/main" id="{2E309165-A0B9-41BD-BA9F-1D6C9401A13F}"/>
+                <a16:creationId xmlns:a16="http://schemas.microsoft.com/office/drawing/2014/main" id="{2E309165-A0B9-41BD-BA9F-1D6C9401A13F}"/>
               </a:ext>
             </a:extLst>
           </p:cNvPr>
@@ -12666,7 +12666,7 @@
                 <a14:useLocalDpi xmlns:a14="http://schemas.microsoft.com/office/drawing/2010/main" val="0"/>
               </a:ext>
               <a:ext uri="{96DAC541-7B7A-43D3-8B79-37D633B846F1}">
-                <asvg:svgBlip xmlns="" xmlns:asvg="http://schemas.microsoft.com/office/drawing/2016/SVG/main" r:embed="rId4"/>
+                <asvg:svgBlip xmlns:asvg="http://schemas.microsoft.com/office/drawing/2016/SVG/main" r:embed="rId4"/>
               </a:ext>
             </a:extLst>
           </a:blip>
@@ -14134,21 +14134,21 @@
                 <a:gridCol w="1471711">
                   <a:extLst>
                     <a:ext uri="{9D8B030D-6E8A-4147-A177-3AD203B41FA5}">
-                      <a16:colId xmlns="" xmlns:a16="http://schemas.microsoft.com/office/drawing/2014/main" val="20000"/>
+                      <a16:colId xmlns:a16="http://schemas.microsoft.com/office/drawing/2014/main" val="20000"/>
                     </a:ext>
                   </a:extLst>
                 </a:gridCol>
                 <a:gridCol w="1676400">
                   <a:extLst>
                     <a:ext uri="{9D8B030D-6E8A-4147-A177-3AD203B41FA5}">
-                      <a16:colId xmlns="" xmlns:a16="http://schemas.microsoft.com/office/drawing/2014/main" val="20001"/>
+                      <a16:colId xmlns:a16="http://schemas.microsoft.com/office/drawing/2014/main" val="20001"/>
                     </a:ext>
                   </a:extLst>
                 </a:gridCol>
                 <a:gridCol w="1760531">
                   <a:extLst>
                     <a:ext uri="{9D8B030D-6E8A-4147-A177-3AD203B41FA5}">
-                      <a16:colId xmlns="" xmlns:a16="http://schemas.microsoft.com/office/drawing/2014/main" val="20002"/>
+                      <a16:colId xmlns:a16="http://schemas.microsoft.com/office/drawing/2014/main" val="20002"/>
                     </a:ext>
                   </a:extLst>
                 </a:gridCol>
@@ -14219,7 +14219,7 @@
                 </a:tc>
                 <a:extLst>
                   <a:ext uri="{0D108BD9-81ED-4DB2-BD59-A6C34878D82A}">
-                    <a16:rowId xmlns="" xmlns:a16="http://schemas.microsoft.com/office/drawing/2014/main" val="10000"/>
+                    <a16:rowId xmlns:a16="http://schemas.microsoft.com/office/drawing/2014/main" val="10000"/>
                   </a:ext>
                 </a:extLst>
               </a:tr>
@@ -14390,7 +14390,7 @@
                 </a:tc>
                 <a:extLst>
                   <a:ext uri="{0D108BD9-81ED-4DB2-BD59-A6C34878D82A}">
-                    <a16:rowId xmlns="" xmlns:a16="http://schemas.microsoft.com/office/drawing/2014/main" val="10001"/>
+                    <a16:rowId xmlns:a16="http://schemas.microsoft.com/office/drawing/2014/main" val="10001"/>
                   </a:ext>
                 </a:extLst>
               </a:tr>
@@ -14560,7 +14560,7 @@
                 </a:tc>
                 <a:extLst>
                   <a:ext uri="{0D108BD9-81ED-4DB2-BD59-A6C34878D82A}">
-                    <a16:rowId xmlns="" xmlns:a16="http://schemas.microsoft.com/office/drawing/2014/main" val="10002"/>
+                    <a16:rowId xmlns:a16="http://schemas.microsoft.com/office/drawing/2014/main" val="10002"/>
                   </a:ext>
                 </a:extLst>
               </a:tr>
@@ -14695,7 +14695,7 @@
                 </a:tc>
                 <a:extLst>
                   <a:ext uri="{0D108BD9-81ED-4DB2-BD59-A6C34878D82A}">
-                    <a16:rowId xmlns="" xmlns:a16="http://schemas.microsoft.com/office/drawing/2014/main" val="10003"/>
+                    <a16:rowId xmlns:a16="http://schemas.microsoft.com/office/drawing/2014/main" val="10003"/>
                   </a:ext>
                 </a:extLst>
               </a:tr>
@@ -14888,7 +14888,7 @@
                 </a:tc>
                 <a:extLst>
                   <a:ext uri="{0D108BD9-81ED-4DB2-BD59-A6C34878D82A}">
-                    <a16:rowId xmlns="" xmlns:a16="http://schemas.microsoft.com/office/drawing/2014/main" val="10004"/>
+                    <a16:rowId xmlns:a16="http://schemas.microsoft.com/office/drawing/2014/main" val="10004"/>
                   </a:ext>
                 </a:extLst>
               </a:tr>
@@ -15326,7 +15326,7 @@
           <p:cNvPr id="23" name="スライド番号プレースホルダー 5">
             <a:extLst>
               <a:ext uri="{FF2B5EF4-FFF2-40B4-BE49-F238E27FC236}">
-                <a16:creationId xmlns="" xmlns:a16="http://schemas.microsoft.com/office/drawing/2014/main" id="{30858A73-25BE-4F4F-9D0E-6FCDB0153D8D}"/>
+                <a16:creationId xmlns:a16="http://schemas.microsoft.com/office/drawing/2014/main" id="{30858A73-25BE-4F4F-9D0E-6FCDB0153D8D}"/>
               </a:ext>
             </a:extLst>
           </p:cNvPr>
@@ -16814,7 +16814,7 @@
           <p:cNvPr id="14" name="スライド番号プレースホルダー 5">
             <a:extLst>
               <a:ext uri="{FF2B5EF4-FFF2-40B4-BE49-F238E27FC236}">
-                <a16:creationId xmlns="" xmlns:a16="http://schemas.microsoft.com/office/drawing/2014/main" id="{F6D73376-6FE6-4B61-A366-FF915F2597C7}"/>
+                <a16:creationId xmlns:a16="http://schemas.microsoft.com/office/drawing/2014/main" id="{F6D73376-6FE6-4B61-A366-FF915F2597C7}"/>
               </a:ext>
             </a:extLst>
           </p:cNvPr>
@@ -16862,7 +16862,7 @@
           <p:cNvPr id="15" name="図 14">
             <a:extLst>
               <a:ext uri="{FF2B5EF4-FFF2-40B4-BE49-F238E27FC236}">
-                <a16:creationId xmlns="" xmlns:a16="http://schemas.microsoft.com/office/drawing/2014/main" id="{75D90758-3A2A-42DA-A7D4-C926AD94447C}"/>
+                <a16:creationId xmlns:a16="http://schemas.microsoft.com/office/drawing/2014/main" id="{75D90758-3A2A-42DA-A7D4-C926AD94447C}"/>
               </a:ext>
             </a:extLst>
           </p:cNvPr>
@@ -16898,7 +16898,7 @@
           <p:cNvPr id="16" name="グループ化 15">
             <a:extLst>
               <a:ext uri="{FF2B5EF4-FFF2-40B4-BE49-F238E27FC236}">
-                <a16:creationId xmlns="" xmlns:a16="http://schemas.microsoft.com/office/drawing/2014/main" id="{90737F32-6FA6-4AE6-891D-BA4E796D9F6C}"/>
+                <a16:creationId xmlns:a16="http://schemas.microsoft.com/office/drawing/2014/main" id="{90737F32-6FA6-4AE6-891D-BA4E796D9F6C}"/>
               </a:ext>
             </a:extLst>
           </p:cNvPr>
@@ -16925,7 +16925,7 @@
             <p:cNvPr id="17" name="正方形/長方形 16">
               <a:extLst>
                 <a:ext uri="{FF2B5EF4-FFF2-40B4-BE49-F238E27FC236}">
-                  <a16:creationId xmlns="" xmlns:a16="http://schemas.microsoft.com/office/drawing/2014/main" id="{82703941-811D-4419-9B94-4CD5ED14C349}"/>
+                  <a16:creationId xmlns:a16="http://schemas.microsoft.com/office/drawing/2014/main" id="{82703941-811D-4419-9B94-4CD5ED14C349}"/>
                 </a:ext>
               </a:extLst>
             </p:cNvPr>
@@ -16975,7 +16975,7 @@
             <p:cNvPr id="18" name="二等辺三角形 17">
               <a:extLst>
                 <a:ext uri="{FF2B5EF4-FFF2-40B4-BE49-F238E27FC236}">
-                  <a16:creationId xmlns="" xmlns:a16="http://schemas.microsoft.com/office/drawing/2014/main" id="{4D988F39-B56E-43C3-A7C2-FBE4139808BD}"/>
+                  <a16:creationId xmlns:a16="http://schemas.microsoft.com/office/drawing/2014/main" id="{4D988F39-B56E-43C3-A7C2-FBE4139808BD}"/>
                 </a:ext>
               </a:extLst>
             </p:cNvPr>
@@ -17031,7 +17031,7 @@
             <p:cNvPr id="19" name="二等辺三角形 18">
               <a:extLst>
                 <a:ext uri="{FF2B5EF4-FFF2-40B4-BE49-F238E27FC236}">
-                  <a16:creationId xmlns="" xmlns:a16="http://schemas.microsoft.com/office/drawing/2014/main" id="{B68E310D-BDA8-4F22-A075-F943890F164C}"/>
+                  <a16:creationId xmlns:a16="http://schemas.microsoft.com/office/drawing/2014/main" id="{B68E310D-BDA8-4F22-A075-F943890F164C}"/>
                 </a:ext>
               </a:extLst>
             </p:cNvPr>
@@ -17088,7 +17088,7 @@
           <p:cNvPr id="9" name="グラフィックス 8" descr="錠">
             <a:extLst>
               <a:ext uri="{FF2B5EF4-FFF2-40B4-BE49-F238E27FC236}">
-                <a16:creationId xmlns="" xmlns:a16="http://schemas.microsoft.com/office/drawing/2014/main" id="{7028ED0A-0D6E-4403-BACA-133FF030EB1B}"/>
+                <a16:creationId xmlns:a16="http://schemas.microsoft.com/office/drawing/2014/main" id="{7028ED0A-0D6E-4403-BACA-133FF030EB1B}"/>
               </a:ext>
             </a:extLst>
           </p:cNvPr>
@@ -17104,7 +17104,7 @@
                 <a14:useLocalDpi xmlns:a14="http://schemas.microsoft.com/office/drawing/2010/main" val="0"/>
               </a:ext>
               <a:ext uri="{96DAC541-7B7A-43D3-8B79-37D633B846F1}">
-                <asvg:svgBlip xmlns="" xmlns:asvg="http://schemas.microsoft.com/office/drawing/2016/SVG/main" r:embed="rId6"/>
+                <asvg:svgBlip xmlns:asvg="http://schemas.microsoft.com/office/drawing/2016/SVG/main" r:embed="rId6"/>
               </a:ext>
             </a:extLst>
           </a:blip>
@@ -17127,7 +17127,7 @@
           <p:cNvPr id="21" name="稲妻 20">
             <a:extLst>
               <a:ext uri="{FF2B5EF4-FFF2-40B4-BE49-F238E27FC236}">
-                <a16:creationId xmlns="" xmlns:a16="http://schemas.microsoft.com/office/drawing/2014/main" id="{044C454B-6D86-4ECA-ACB0-3FD643B81E18}"/>
+                <a16:creationId xmlns:a16="http://schemas.microsoft.com/office/drawing/2014/main" id="{044C454B-6D86-4ECA-ACB0-3FD643B81E18}"/>
               </a:ext>
             </a:extLst>
           </p:cNvPr>
@@ -18574,7 +18574,7 @@
           <p:cNvPr id="16" name="スライド番号プレースホルダー 5">
             <a:extLst>
               <a:ext uri="{FF2B5EF4-FFF2-40B4-BE49-F238E27FC236}">
-                <a16:creationId xmlns="" xmlns:a16="http://schemas.microsoft.com/office/drawing/2014/main" id="{2F154C90-269F-41C8-A4F4-A5A3BDC6BC32}"/>
+                <a16:creationId xmlns:a16="http://schemas.microsoft.com/office/drawing/2014/main" id="{2F154C90-269F-41C8-A4F4-A5A3BDC6BC32}"/>
               </a:ext>
             </a:extLst>
           </p:cNvPr>
@@ -20142,35 +20142,35 @@
                 <a:gridCol w="1047468">
                   <a:extLst>
                     <a:ext uri="{9D8B030D-6E8A-4147-A177-3AD203B41FA5}">
-                      <a16:colId xmlns="" xmlns:a16="http://schemas.microsoft.com/office/drawing/2014/main" val="20000"/>
+                      <a16:colId xmlns:a16="http://schemas.microsoft.com/office/drawing/2014/main" val="20000"/>
                     </a:ext>
                   </a:extLst>
                 </a:gridCol>
                 <a:gridCol w="1164657">
                   <a:extLst>
                     <a:ext uri="{9D8B030D-6E8A-4147-A177-3AD203B41FA5}">
-                      <a16:colId xmlns="" xmlns:a16="http://schemas.microsoft.com/office/drawing/2014/main" val="20001"/>
+                      <a16:colId xmlns:a16="http://schemas.microsoft.com/office/drawing/2014/main" val="20001"/>
                     </a:ext>
                   </a:extLst>
                 </a:gridCol>
                 <a:gridCol w="972151">
                   <a:extLst>
                     <a:ext uri="{9D8B030D-6E8A-4147-A177-3AD203B41FA5}">
-                      <a16:colId xmlns="" xmlns:a16="http://schemas.microsoft.com/office/drawing/2014/main" val="20002"/>
+                      <a16:colId xmlns:a16="http://schemas.microsoft.com/office/drawing/2014/main" val="20002"/>
                     </a:ext>
                   </a:extLst>
                 </a:gridCol>
                 <a:gridCol w="895150">
                   <a:extLst>
                     <a:ext uri="{9D8B030D-6E8A-4147-A177-3AD203B41FA5}">
-                      <a16:colId xmlns="" xmlns:a16="http://schemas.microsoft.com/office/drawing/2014/main" val="20003"/>
+                      <a16:colId xmlns:a16="http://schemas.microsoft.com/office/drawing/2014/main" val="20003"/>
                     </a:ext>
                   </a:extLst>
                 </a:gridCol>
                 <a:gridCol w="829218">
                   <a:extLst>
                     <a:ext uri="{9D8B030D-6E8A-4147-A177-3AD203B41FA5}">
-                      <a16:colId xmlns="" xmlns:a16="http://schemas.microsoft.com/office/drawing/2014/main" val="20004"/>
+                      <a16:colId xmlns:a16="http://schemas.microsoft.com/office/drawing/2014/main" val="20004"/>
                     </a:ext>
                   </a:extLst>
                 </a:gridCol>
@@ -20283,7 +20283,7 @@
                 </a:tc>
                 <a:extLst>
                   <a:ext uri="{0D108BD9-81ED-4DB2-BD59-A6C34878D82A}">
-                    <a16:rowId xmlns="" xmlns:a16="http://schemas.microsoft.com/office/drawing/2014/main" val="10000"/>
+                    <a16:rowId xmlns:a16="http://schemas.microsoft.com/office/drawing/2014/main" val="10000"/>
                   </a:ext>
                 </a:extLst>
               </a:tr>
@@ -20463,7 +20463,7 @@
                 </a:tc>
                 <a:extLst>
                   <a:ext uri="{0D108BD9-81ED-4DB2-BD59-A6C34878D82A}">
-                    <a16:rowId xmlns="" xmlns:a16="http://schemas.microsoft.com/office/drawing/2014/main" val="10001"/>
+                    <a16:rowId xmlns:a16="http://schemas.microsoft.com/office/drawing/2014/main" val="10001"/>
                   </a:ext>
                 </a:extLst>
               </a:tr>
@@ -20705,7 +20705,7 @@
                 </a:tc>
                 <a:extLst>
                   <a:ext uri="{0D108BD9-81ED-4DB2-BD59-A6C34878D82A}">
-                    <a16:rowId xmlns="" xmlns:a16="http://schemas.microsoft.com/office/drawing/2014/main" val="10002"/>
+                    <a16:rowId xmlns:a16="http://schemas.microsoft.com/office/drawing/2014/main" val="10002"/>
                   </a:ext>
                 </a:extLst>
               </a:tr>
@@ -21140,7 +21140,7 @@
           <p:cNvPr id="23" name="スライド番号プレースホルダー 5">
             <a:extLst>
               <a:ext uri="{FF2B5EF4-FFF2-40B4-BE49-F238E27FC236}">
-                <a16:creationId xmlns="" xmlns:a16="http://schemas.microsoft.com/office/drawing/2014/main" id="{663C2490-DCF0-4D90-8EDA-64544C545D07}"/>
+                <a16:creationId xmlns:a16="http://schemas.microsoft.com/office/drawing/2014/main" id="{663C2490-DCF0-4D90-8EDA-64544C545D07}"/>
               </a:ext>
             </a:extLst>
           </p:cNvPr>
@@ -21188,7 +21188,7 @@
           <p:cNvPr id="24" name="グループ化 23">
             <a:extLst>
               <a:ext uri="{FF2B5EF4-FFF2-40B4-BE49-F238E27FC236}">
-                <a16:creationId xmlns="" xmlns:a16="http://schemas.microsoft.com/office/drawing/2014/main" id="{D66AB8ED-1F9D-471A-A9D1-0648CCDF9A1E}"/>
+                <a16:creationId xmlns:a16="http://schemas.microsoft.com/office/drawing/2014/main" id="{D66AB8ED-1F9D-471A-A9D1-0648CCDF9A1E}"/>
               </a:ext>
             </a:extLst>
           </p:cNvPr>
@@ -21210,7 +21210,7 @@
             <p:cNvPr id="25" name="フローチャート: 磁気ディスク 24">
               <a:extLst>
                 <a:ext uri="{FF2B5EF4-FFF2-40B4-BE49-F238E27FC236}">
-                  <a16:creationId xmlns="" xmlns:a16="http://schemas.microsoft.com/office/drawing/2014/main" id="{699D74FE-147B-45A1-8A9E-5C1319758375}"/>
+                  <a16:creationId xmlns:a16="http://schemas.microsoft.com/office/drawing/2014/main" id="{699D74FE-147B-45A1-8A9E-5C1319758375}"/>
                 </a:ext>
               </a:extLst>
             </p:cNvPr>
@@ -21278,7 +21278,7 @@
             <p:cNvPr id="26" name="正方形/長方形 22595">
               <a:extLst>
                 <a:ext uri="{FF2B5EF4-FFF2-40B4-BE49-F238E27FC236}">
-                  <a16:creationId xmlns="" xmlns:a16="http://schemas.microsoft.com/office/drawing/2014/main" id="{A717999A-A4E1-4F39-96E5-E195D98EDB59}"/>
+                  <a16:creationId xmlns:a16="http://schemas.microsoft.com/office/drawing/2014/main" id="{A717999A-A4E1-4F39-96E5-E195D98EDB59}"/>
                 </a:ext>
               </a:extLst>
             </p:cNvPr>
@@ -24250,7 +24250,7 @@
           <p:cNvPr id="23" name="スライド番号プレースホルダー 5">
             <a:extLst>
               <a:ext uri="{FF2B5EF4-FFF2-40B4-BE49-F238E27FC236}">
-                <a16:creationId xmlns="" xmlns:a16="http://schemas.microsoft.com/office/drawing/2014/main" id="{1CC5DB24-F510-4632-8590-D52F0C088B10}"/>
+                <a16:creationId xmlns:a16="http://schemas.microsoft.com/office/drawing/2014/main" id="{1CC5DB24-F510-4632-8590-D52F0C088B10}"/>
               </a:ext>
             </a:extLst>
           </p:cNvPr>
@@ -25768,14 +25768,14 @@
                 <a:gridCol w="1700392">
                   <a:extLst>
                     <a:ext uri="{9D8B030D-6E8A-4147-A177-3AD203B41FA5}">
-                      <a16:colId xmlns="" xmlns:a16="http://schemas.microsoft.com/office/drawing/2014/main" val="20000"/>
+                      <a16:colId xmlns:a16="http://schemas.microsoft.com/office/drawing/2014/main" val="20000"/>
                     </a:ext>
                   </a:extLst>
                 </a:gridCol>
                 <a:gridCol w="3330742">
                   <a:extLst>
                     <a:ext uri="{9D8B030D-6E8A-4147-A177-3AD203B41FA5}">
-                      <a16:colId xmlns="" xmlns:a16="http://schemas.microsoft.com/office/drawing/2014/main" val="20001"/>
+                      <a16:colId xmlns:a16="http://schemas.microsoft.com/office/drawing/2014/main" val="20001"/>
                     </a:ext>
                   </a:extLst>
                 </a:gridCol>
@@ -25891,7 +25891,7 @@
                 </a:tc>
                 <a:extLst>
                   <a:ext uri="{0D108BD9-81ED-4DB2-BD59-A6C34878D82A}">
-                    <a16:rowId xmlns="" xmlns:a16="http://schemas.microsoft.com/office/drawing/2014/main" val="10000"/>
+                    <a16:rowId xmlns:a16="http://schemas.microsoft.com/office/drawing/2014/main" val="10000"/>
                   </a:ext>
                 </a:extLst>
               </a:tr>
@@ -26064,7 +26064,7 @@
                 </a:tc>
                 <a:extLst>
                   <a:ext uri="{0D108BD9-81ED-4DB2-BD59-A6C34878D82A}">
-                    <a16:rowId xmlns="" xmlns:a16="http://schemas.microsoft.com/office/drawing/2014/main" val="10001"/>
+                    <a16:rowId xmlns:a16="http://schemas.microsoft.com/office/drawing/2014/main" val="10001"/>
                   </a:ext>
                 </a:extLst>
               </a:tr>
@@ -26210,7 +26210,7 @@
                 </a:tc>
                 <a:extLst>
                   <a:ext uri="{0D108BD9-81ED-4DB2-BD59-A6C34878D82A}">
-                    <a16:rowId xmlns="" xmlns:a16="http://schemas.microsoft.com/office/drawing/2014/main" val="10002"/>
+                    <a16:rowId xmlns:a16="http://schemas.microsoft.com/office/drawing/2014/main" val="10002"/>
                   </a:ext>
                 </a:extLst>
               </a:tr>
@@ -26429,7 +26429,7 @@
                 </a:tc>
                 <a:extLst>
                   <a:ext uri="{0D108BD9-81ED-4DB2-BD59-A6C34878D82A}">
-                    <a16:rowId xmlns="" xmlns:a16="http://schemas.microsoft.com/office/drawing/2014/main" val="10003"/>
+                    <a16:rowId xmlns:a16="http://schemas.microsoft.com/office/drawing/2014/main" val="10003"/>
                   </a:ext>
                 </a:extLst>
               </a:tr>
@@ -26570,7 +26570,7 @@
                 </a:tc>
                 <a:extLst>
                   <a:ext uri="{0D108BD9-81ED-4DB2-BD59-A6C34878D82A}">
-                    <a16:rowId xmlns="" xmlns:a16="http://schemas.microsoft.com/office/drawing/2014/main" val="10004"/>
+                    <a16:rowId xmlns:a16="http://schemas.microsoft.com/office/drawing/2014/main" val="10004"/>
                   </a:ext>
                 </a:extLst>
               </a:tr>
@@ -26759,7 +26759,7 @@
                 </a:tc>
                 <a:extLst>
                   <a:ext uri="{0D108BD9-81ED-4DB2-BD59-A6C34878D82A}">
-                    <a16:rowId xmlns="" xmlns:a16="http://schemas.microsoft.com/office/drawing/2014/main" val="10005"/>
+                    <a16:rowId xmlns:a16="http://schemas.microsoft.com/office/drawing/2014/main" val="10005"/>
                   </a:ext>
                 </a:extLst>
               </a:tr>
@@ -26920,7 +26920,7 @@
           <p:cNvPr id="30" name="スライド番号プレースホルダー 5">
             <a:extLst>
               <a:ext uri="{FF2B5EF4-FFF2-40B4-BE49-F238E27FC236}">
-                <a16:creationId xmlns="" xmlns:a16="http://schemas.microsoft.com/office/drawing/2014/main" id="{3011945E-9C2D-4EFA-8941-93A1CBD6DFB3}"/>
+                <a16:creationId xmlns:a16="http://schemas.microsoft.com/office/drawing/2014/main" id="{3011945E-9C2D-4EFA-8941-93A1CBD6DFB3}"/>
               </a:ext>
             </a:extLst>
           </p:cNvPr>
@@ -27752,14 +27752,14 @@
                 <a:gridCol w="964514">
                   <a:extLst>
                     <a:ext uri="{9D8B030D-6E8A-4147-A177-3AD203B41FA5}">
-                      <a16:colId xmlns="" xmlns:a16="http://schemas.microsoft.com/office/drawing/2014/main" val="20000"/>
+                      <a16:colId xmlns:a16="http://schemas.microsoft.com/office/drawing/2014/main" val="20000"/>
                     </a:ext>
                   </a:extLst>
                 </a:gridCol>
                 <a:gridCol w="4050952">
                   <a:extLst>
                     <a:ext uri="{9D8B030D-6E8A-4147-A177-3AD203B41FA5}">
-                      <a16:colId xmlns="" xmlns:a16="http://schemas.microsoft.com/office/drawing/2014/main" val="20001"/>
+                      <a16:colId xmlns:a16="http://schemas.microsoft.com/office/drawing/2014/main" val="20001"/>
                     </a:ext>
                   </a:extLst>
                 </a:gridCol>
@@ -27890,7 +27890,7 @@
                 </a:tc>
                 <a:extLst>
                   <a:ext uri="{0D108BD9-81ED-4DB2-BD59-A6C34878D82A}">
-                    <a16:rowId xmlns="" xmlns:a16="http://schemas.microsoft.com/office/drawing/2014/main" val="10000"/>
+                    <a16:rowId xmlns:a16="http://schemas.microsoft.com/office/drawing/2014/main" val="10000"/>
                   </a:ext>
                 </a:extLst>
               </a:tr>
@@ -28251,7 +28251,7 @@
                 </a:tc>
                 <a:extLst>
                   <a:ext uri="{0D108BD9-81ED-4DB2-BD59-A6C34878D82A}">
-                    <a16:rowId xmlns="" xmlns:a16="http://schemas.microsoft.com/office/drawing/2014/main" val="10001"/>
+                    <a16:rowId xmlns:a16="http://schemas.microsoft.com/office/drawing/2014/main" val="10001"/>
                   </a:ext>
                 </a:extLst>
               </a:tr>
@@ -28610,7 +28610,7 @@
                 </a:tc>
                 <a:extLst>
                   <a:ext uri="{0D108BD9-81ED-4DB2-BD59-A6C34878D82A}">
-                    <a16:rowId xmlns="" xmlns:a16="http://schemas.microsoft.com/office/drawing/2014/main" val="10002"/>
+                    <a16:rowId xmlns:a16="http://schemas.microsoft.com/office/drawing/2014/main" val="10002"/>
                   </a:ext>
                 </a:extLst>
               </a:tr>
@@ -28894,7 +28894,7 @@
                 </a:tc>
                 <a:extLst>
                   <a:ext uri="{0D108BD9-81ED-4DB2-BD59-A6C34878D82A}">
-                    <a16:rowId xmlns="" xmlns:a16="http://schemas.microsoft.com/office/drawing/2014/main" val="10003"/>
+                    <a16:rowId xmlns:a16="http://schemas.microsoft.com/office/drawing/2014/main" val="10003"/>
                   </a:ext>
                 </a:extLst>
               </a:tr>
@@ -29026,7 +29026,7 @@
           <p:cNvPr id="14" name="スライド番号プレースホルダー 5">
             <a:extLst>
               <a:ext uri="{FF2B5EF4-FFF2-40B4-BE49-F238E27FC236}">
-                <a16:creationId xmlns="" xmlns:a16="http://schemas.microsoft.com/office/drawing/2014/main" id="{E57D2BE9-9D3A-40BC-8990-10E4CB8AED54}"/>
+                <a16:creationId xmlns:a16="http://schemas.microsoft.com/office/drawing/2014/main" id="{E57D2BE9-9D3A-40BC-8990-10E4CB8AED54}"/>
               </a:ext>
             </a:extLst>
           </p:cNvPr>
@@ -29337,7 +29337,7 @@
   <a:extraClrSchemeLst/>
   <a:extLst>
     <a:ext uri="{05A4C25C-085E-4340-85A3-A5531E510DB2}">
-      <thm15:themeFamily xmlns:thm15="http://schemas.microsoft.com/office/thememl/2012/main" xmlns="" name="Office Theme" id="{62F939B6-93AF-4DB8-9C6B-D6C7DFDC589F}" vid="{4A3C46E8-61CC-4603-A589-7422A47A8E4A}"/>
+      <thm15:themeFamily xmlns:thm15="http://schemas.microsoft.com/office/thememl/2012/main" name="Office Theme" id="{62F939B6-93AF-4DB8-9C6B-D6C7DFDC589F}" vid="{4A3C46E8-61CC-4603-A589-7422A47A8E4A}"/>
     </a:ext>
   </a:extLst>
 </a:theme>
@@ -29598,7 +29598,7 @@
   <a:extraClrSchemeLst/>
   <a:extLst>
     <a:ext uri="{05A4C25C-085E-4340-85A3-A5531E510DB2}">
-      <thm15:themeFamily xmlns:thm15="http://schemas.microsoft.com/office/thememl/2012/main" xmlns="" name="Office Theme" id="{62F939B6-93AF-4DB8-9C6B-D6C7DFDC589F}" vid="{4A3C46E8-61CC-4603-A589-7422A47A8E4A}"/>
+      <thm15:themeFamily xmlns:thm15="http://schemas.microsoft.com/office/thememl/2012/main" name="Office Theme" id="{62F939B6-93AF-4DB8-9C6B-D6C7DFDC589F}" vid="{4A3C46E8-61CC-4603-A589-7422A47A8E4A}"/>
     </a:ext>
   </a:extLst>
 </a:theme>
